--- a/document/开题阶段/picture/团购商品个性化推荐系统的设计.pptx
+++ b/document/开题阶段/picture/团购商品个性化推荐系统的设计.pptx
@@ -5,7 +5,7 @@
     <p:sldMasterId id="2147483660" r:id="rId2"/>
   </p:sldMasterIdLst>
   <p:notesMasterIdLst>
-    <p:notesMasterId r:id="rId12"/>
+    <p:notesMasterId r:id="rId11"/>
   </p:notesMasterIdLst>
   <p:sldIdLst>
     <p:sldId id="256" r:id="rId3"/>
@@ -13,10 +13,9 @@
     <p:sldId id="257" r:id="rId5"/>
     <p:sldId id="264" r:id="rId6"/>
     <p:sldId id="265" r:id="rId7"/>
-    <p:sldId id="266" r:id="rId8"/>
-    <p:sldId id="268" r:id="rId9"/>
-    <p:sldId id="267" r:id="rId10"/>
-    <p:sldId id="263" r:id="rId11"/>
+    <p:sldId id="268" r:id="rId8"/>
+    <p:sldId id="267" r:id="rId9"/>
+    <p:sldId id="263" r:id="rId10"/>
   </p:sldIdLst>
   <p:sldSz cx="12192000" cy="6858000"/>
   <p:notesSz cx="6858000" cy="9144000"/>
@@ -129,7 +128,6 @@
             <p14:sldId id="257"/>
             <p14:sldId id="264"/>
             <p14:sldId id="265"/>
-            <p14:sldId id="266"/>
             <p14:sldId id="268"/>
             <p14:sldId id="267"/>
           </p14:sldIdLst>
@@ -246,7 +244,7 @@
           </a:lstStyle>
           <a:p>
             <a:fld id="{EC13577B-6902-467D-A26C-08A0DD5E4E03}" type="datetimeFigureOut">
-              <a:t>2014/11/20</a:t>
+              <a:t>2014/11/22</a:t>
             </a:fld>
             <a:endParaRPr lang="zh-CN"/>
           </a:p>
@@ -781,7 +779,7 @@
           <a:p>
             <a:fld id="{DF61EA0F-A667-4B49-8422-0062BC55E249}" type="slidenum">
               <a:rPr lang="en-US" altLang="zh-CN" smtClean="0"/>
-              <a:t>9</a:t>
+              <a:t>8</a:t>
             </a:fld>
             <a:endParaRPr lang="zh-CN"/>
           </a:p>
@@ -995,7 +993,7 @@
           <a:lstStyle/>
           <a:p>
             <a:fld id="{8BEEBAAA-29B5-4AF5-BC5F-7E580C29002D}" type="datetimeFigureOut">
-              <a:t>2014/11/20</a:t>
+              <a:t>2014/11/22</a:t>
             </a:fld>
             <a:endParaRPr lang="zh-CN"/>
           </a:p>
@@ -1270,7 +1268,7 @@
           <a:lstStyle/>
           <a:p>
             <a:fld id="{8BEEBAAA-29B5-4AF5-BC5F-7E580C29002D}" type="datetimeFigureOut">
-              <a:t>2014/11/20</a:t>
+              <a:t>2014/11/22</a:t>
             </a:fld>
             <a:endParaRPr lang="zh-CN"/>
           </a:p>
@@ -1550,7 +1548,7 @@
           <a:lstStyle/>
           <a:p>
             <a:fld id="{8BEEBAAA-29B5-4AF5-BC5F-7E580C29002D}" type="datetimeFigureOut">
-              <a:t>2014/11/20</a:t>
+              <a:t>2014/11/22</a:t>
             </a:fld>
             <a:endParaRPr lang="zh-CN"/>
           </a:p>
@@ -1909,7 +1907,7 @@
           <a:lstStyle/>
           <a:p>
             <a:fld id="{8BEEBAAA-29B5-4AF5-BC5F-7E580C29002D}" type="datetimeFigureOut">
-              <a:t>2014/11/20</a:t>
+              <a:t>2014/11/22</a:t>
             </a:fld>
             <a:endParaRPr lang="zh-CN"/>
           </a:p>
@@ -2207,7 +2205,7 @@
           <a:lstStyle/>
           <a:p>
             <a:fld id="{8BEEBAAA-29B5-4AF5-BC5F-7E580C29002D}" type="datetimeFigureOut">
-              <a:t>2014/11/20</a:t>
+              <a:t>2014/11/22</a:t>
             </a:fld>
             <a:endParaRPr lang="zh-CN"/>
           </a:p>
@@ -2720,7 +2718,7 @@
           <a:lstStyle/>
           <a:p>
             <a:fld id="{8BEEBAAA-29B5-4AF5-BC5F-7E580C29002D}" type="datetimeFigureOut">
-              <a:t>2014/11/20</a:t>
+              <a:t>2014/11/22</a:t>
             </a:fld>
             <a:endParaRPr lang="zh-CN"/>
           </a:p>
@@ -3363,7 +3361,7 @@
           <a:lstStyle/>
           <a:p>
             <a:fld id="{8BEEBAAA-29B5-4AF5-BC5F-7E580C29002D}" type="datetimeFigureOut">
-              <a:t>2014/11/20</a:t>
+              <a:t>2014/11/22</a:t>
             </a:fld>
             <a:endParaRPr lang="zh-CN"/>
           </a:p>
@@ -3586,7 +3584,7 @@
           <a:lstStyle/>
           <a:p>
             <a:fld id="{8BEEBAAA-29B5-4AF5-BC5F-7E580C29002D}" type="datetimeFigureOut">
-              <a:t>2014/11/20</a:t>
+              <a:t>2014/11/22</a:t>
             </a:fld>
             <a:endParaRPr lang="zh-CN"/>
           </a:p>
@@ -3725,7 +3723,7 @@
           <a:lstStyle/>
           <a:p>
             <a:fld id="{8BEEBAAA-29B5-4AF5-BC5F-7E580C29002D}" type="datetimeFigureOut">
-              <a:t>2014/11/20</a:t>
+              <a:t>2014/11/22</a:t>
             </a:fld>
             <a:endParaRPr lang="zh-CN"/>
           </a:p>
@@ -4060,7 +4058,7 @@
           <a:lstStyle/>
           <a:p>
             <a:fld id="{8BEEBAAA-29B5-4AF5-BC5F-7E580C29002D}" type="datetimeFigureOut">
-              <a:t>2014/11/20</a:t>
+              <a:t>2014/11/22</a:t>
             </a:fld>
             <a:endParaRPr lang="zh-CN"/>
           </a:p>
@@ -4315,7 +4313,7 @@
           <a:lstStyle/>
           <a:p>
             <a:fld id="{8BEEBAAA-29B5-4AF5-BC5F-7E580C29002D}" type="datetimeFigureOut">
-              <a:t>2014/11/20</a:t>
+              <a:t>2014/11/22</a:t>
             </a:fld>
             <a:endParaRPr lang="zh-CN"/>
           </a:p>
@@ -4528,7 +4526,7 @@
             <a:fld id="{8BEEBAAA-29B5-4AF5-BC5F-7E580C29002D}" type="datetimeFigureOut">
               <a:rPr lang="en-US" altLang="zh-CN" smtClean="0"/>
               <a:pPr/>
-              <a:t>11/20/2014</a:t>
+              <a:t>11/22/2014</a:t>
             </a:fld>
             <a:endParaRPr lang="zh-CN" altLang="en-US"/>
           </a:p>
@@ -4973,7 +4971,7 @@
         <p:spPr/>
         <p:txBody>
           <a:bodyPr>
-            <a:normAutofit fontScale="85000" lnSpcReduction="20000"/>
+            <a:normAutofit fontScale="55000" lnSpcReduction="20000"/>
           </a:bodyPr>
           <a:lstStyle/>
           <a:p>
@@ -4982,7 +4980,50 @@
                 <a:latin typeface="Microsoft YaHei UI" panose="020B0503020204020204" pitchFamily="34" charset="-122"/>
                 <a:ea typeface="Microsoft YaHei UI" panose="020B0503020204020204" pitchFamily="34" charset="-122"/>
               </a:rPr>
-              <a:t>开题报告</a:t>
+              <a:t>开题</a:t>
+            </a:r>
+            <a:r>
+              <a:rPr lang="zh-CN" altLang="en-US" dirty="0" smtClean="0">
+                <a:latin typeface="Microsoft YaHei UI" panose="020B0503020204020204" pitchFamily="34" charset="-122"/>
+                <a:ea typeface="Microsoft YaHei UI" panose="020B0503020204020204" pitchFamily="34" charset="-122"/>
+              </a:rPr>
+              <a:t>报告</a:t>
+            </a:r>
+            <a:endParaRPr lang="en-US" altLang="zh-CN" dirty="0" smtClean="0">
+              <a:latin typeface="Microsoft YaHei UI" panose="020B0503020204020204" pitchFamily="34" charset="-122"/>
+              <a:ea typeface="Microsoft YaHei UI" panose="020B0503020204020204" pitchFamily="34" charset="-122"/>
+            </a:endParaRPr>
+          </a:p>
+          <a:p>
+            <a:r>
+              <a:rPr lang="en-US" altLang="zh-CN" dirty="0">
+                <a:latin typeface="Microsoft YaHei UI" panose="020B0503020204020204" pitchFamily="34" charset="-122"/>
+              </a:rPr>
+              <a:t>	</a:t>
+            </a:r>
+            <a:r>
+              <a:rPr lang="en-US" altLang="zh-CN" dirty="0" smtClean="0">
+                <a:latin typeface="Microsoft YaHei UI" panose="020B0503020204020204" pitchFamily="34" charset="-122"/>
+              </a:rPr>
+              <a:t>				</a:t>
+            </a:r>
+            <a:r>
+              <a:rPr lang="zh-CN" altLang="en-US" dirty="0" smtClean="0">
+                <a:latin typeface="Microsoft YaHei UI" panose="020B0503020204020204" pitchFamily="34" charset="-122"/>
+              </a:rPr>
+              <a:t>导师</a:t>
+            </a:r>
+            <a:r>
+              <a:rPr lang="en-US" altLang="zh-CN" dirty="0" smtClean="0">
+                <a:latin typeface="Microsoft YaHei UI" panose="020B0503020204020204" pitchFamily="34" charset="-122"/>
+              </a:rPr>
+              <a:t>: </a:t>
+            </a:r>
+            <a:r>
+              <a:rPr lang="zh-CN" altLang="en-US" dirty="0" smtClean="0">
+                <a:latin typeface="Microsoft YaHei UI" panose="020B0503020204020204" pitchFamily="34" charset="-122"/>
+              </a:rPr>
+              <a:t>李际军， 朱小军</a:t>
             </a:r>
             <a:endParaRPr lang="en-US" altLang="zh-CN" dirty="0" smtClean="0">
               <a:latin typeface="Microsoft YaHei UI" panose="020B0503020204020204" pitchFamily="34" charset="-122"/>
@@ -6186,39 +6227,55 @@
           <a:lstStyle/>
           <a:p>
             <a:r>
-              <a:rPr lang="zh-CN" altLang="zh-CN" dirty="0"/>
-              <a:t>基于特征的推荐系统</a:t>
+              <a:rPr lang="en-US" altLang="zh-CN" dirty="0" smtClean="0"/>
+              <a:t>Why </a:t>
+            </a:r>
+            <a:r>
+              <a:rPr lang="en-US" altLang="zh-CN" dirty="0" err="1" smtClean="0"/>
+              <a:t>Groupon</a:t>
+            </a:r>
+            <a:r>
+              <a:rPr lang="en-US" altLang="zh-CN" dirty="0" smtClean="0"/>
+              <a:t>?</a:t>
             </a:r>
             <a:endParaRPr lang="zh-CN" altLang="en-US" dirty="0"/>
           </a:p>
         </p:txBody>
       </p:sp>
-      <p:pic>
-        <p:nvPicPr>
-          <p:cNvPr id="5" name="图片 4"/>
-          <p:cNvPicPr/>
-          <p:nvPr/>
-        </p:nvPicPr>
-        <p:blipFill>
-          <a:blip r:embed="rId2"/>
-          <a:stretch>
-            <a:fillRect/>
-          </a:stretch>
-        </p:blipFill>
+      <p:sp>
+        <p:nvSpPr>
+          <p:cNvPr id="3" name="内容占位符 2"/>
+          <p:cNvSpPr>
+            <a:spLocks noGrp="1"/>
+          </p:cNvSpPr>
+          <p:nvPr>
+            <p:ph idx="1"/>
+          </p:nvPr>
+        </p:nvSpPr>
         <p:spPr>
           <a:xfrm>
-            <a:off x="604434" y="1404031"/>
-            <a:ext cx="5274310" cy="5453969"/>
+            <a:off x="3511716" y="3108515"/>
+            <a:ext cx="4934802" cy="1354303"/>
           </a:xfrm>
-          <a:prstGeom prst="rect">
-            <a:avLst/>
-          </a:prstGeom>
         </p:spPr>
-      </p:pic>
+        <p:txBody>
+          <a:bodyPr>
+            <a:normAutofit fontScale="92500" lnSpcReduction="10000"/>
+          </a:bodyPr>
+          <a:lstStyle/>
+          <a:p>
+            <a:r>
+              <a:rPr lang="zh-CN" altLang="en-US" sz="6000" dirty="0" smtClean="0"/>
+              <a:t>团购信息过载</a:t>
+            </a:r>
+            <a:endParaRPr lang="zh-CN" altLang="en-US" sz="6000" dirty="0"/>
+          </a:p>
+        </p:txBody>
+      </p:sp>
     </p:spTree>
     <p:extLst>
       <p:ext uri="{BB962C8B-B14F-4D97-AF65-F5344CB8AC3E}">
-        <p14:creationId xmlns:p14="http://schemas.microsoft.com/office/powerpoint/2010/main" val="3061744726"/>
+        <p14:creationId xmlns:p14="http://schemas.microsoft.com/office/powerpoint/2010/main" val="1584072826"/>
       </p:ext>
     </p:extLst>
   </p:cSld>
@@ -6268,85 +6325,6 @@
           <a:lstStyle/>
           <a:p>
             <a:r>
-              <a:rPr lang="zh-CN" altLang="en-US" dirty="0" smtClean="0"/>
-              <a:t>推荐算法</a:t>
-            </a:r>
-            <a:endParaRPr lang="zh-CN" altLang="en-US" dirty="0"/>
-          </a:p>
-        </p:txBody>
-      </p:sp>
-      <p:sp>
-        <p:nvSpPr>
-          <p:cNvPr id="3" name="内容占位符 2"/>
-          <p:cNvSpPr>
-            <a:spLocks noGrp="1"/>
-          </p:cNvSpPr>
-          <p:nvPr>
-            <p:ph idx="1"/>
-          </p:nvPr>
-        </p:nvSpPr>
-        <p:spPr/>
-        <p:txBody>
-          <a:bodyPr/>
-          <a:lstStyle/>
-          <a:p>
-            <a:endParaRPr lang="zh-CN" altLang="en-US"/>
-          </a:p>
-        </p:txBody>
-      </p:sp>
-    </p:spTree>
-    <p:extLst>
-      <p:ext uri="{BB962C8B-B14F-4D97-AF65-F5344CB8AC3E}">
-        <p14:creationId xmlns:p14="http://schemas.microsoft.com/office/powerpoint/2010/main" val="1584072826"/>
-      </p:ext>
-    </p:extLst>
-  </p:cSld>
-  <p:clrMapOvr>
-    <a:masterClrMapping/>
-  </p:clrMapOvr>
-  <p:timing>
-    <p:tnLst>
-      <p:par>
-        <p:cTn id="1" dur="indefinite" restart="never" nodeType="tmRoot"/>
-      </p:par>
-    </p:tnLst>
-  </p:timing>
-</p:sld>
-</file>
-
-<file path=ppt/slides/slide8.xml><?xml version="1.0" encoding="utf-8"?>
-<p:sld xmlns:a="http://schemas.openxmlformats.org/drawingml/2006/main" xmlns:r="http://schemas.openxmlformats.org/officeDocument/2006/relationships" xmlns:p="http://schemas.openxmlformats.org/presentationml/2006/main">
-  <p:cSld>
-    <p:spTree>
-      <p:nvGrpSpPr>
-        <p:cNvPr id="1" name=""/>
-        <p:cNvGrpSpPr/>
-        <p:nvPr/>
-      </p:nvGrpSpPr>
-      <p:grpSpPr>
-        <a:xfrm>
-          <a:off x="0" y="0"/>
-          <a:ext cx="0" cy="0"/>
-          <a:chOff x="0" y="0"/>
-          <a:chExt cx="0" cy="0"/>
-        </a:xfrm>
-      </p:grpSpPr>
-      <p:sp>
-        <p:nvSpPr>
-          <p:cNvPr id="2" name="标题 1"/>
-          <p:cNvSpPr>
-            <a:spLocks noGrp="1"/>
-          </p:cNvSpPr>
-          <p:nvPr>
-            <p:ph type="title"/>
-          </p:nvPr>
-        </p:nvSpPr>
-        <p:spPr/>
-        <p:txBody>
-          <a:bodyPr/>
-          <a:lstStyle/>
-          <a:p>
-            <a:r>
               <a:rPr lang="en-US" altLang="zh-CN" dirty="0"/>
               <a:t>Question</a:t>
             </a:r>
@@ -6424,7 +6402,7 @@
 </p:sld>
 </file>
 
-<file path=ppt/slides/slide9.xml><?xml version="1.0" encoding="utf-8"?>
+<file path=ppt/slides/slide8.xml><?xml version="1.0" encoding="utf-8"?>
 <p:sld xmlns:a="http://schemas.openxmlformats.org/drawingml/2006/main" xmlns:r="http://schemas.openxmlformats.org/officeDocument/2006/relationships" xmlns:p="http://schemas.openxmlformats.org/presentationml/2006/main">
   <p:cSld>
     <p:spTree>
